--- a/others/Elementos - Proyecto 2 S.O.pptx
+++ b/others/Elementos - Proyecto 2 S.O.pptx
@@ -269,7 +269,7 @@
           <a:p>
             <a:fld id="{3C53CB92-B326-42DA-B5D6-164C2D188148}" type="datetimeFigureOut">
               <a:rPr lang="es-419" smtClean="0"/>
-              <a:t>23/3/2019</a:t>
+              <a:t>25/3/2019</a:t>
             </a:fld>
             <a:endParaRPr lang="es-419"/>
           </a:p>
@@ -469,7 +469,7 @@
           <a:p>
             <a:fld id="{3C53CB92-B326-42DA-B5D6-164C2D188148}" type="datetimeFigureOut">
               <a:rPr lang="es-419" smtClean="0"/>
-              <a:t>23/3/2019</a:t>
+              <a:t>25/3/2019</a:t>
             </a:fld>
             <a:endParaRPr lang="es-419"/>
           </a:p>
@@ -679,7 +679,7 @@
           <a:p>
             <a:fld id="{3C53CB92-B326-42DA-B5D6-164C2D188148}" type="datetimeFigureOut">
               <a:rPr lang="es-419" smtClean="0"/>
-              <a:t>23/3/2019</a:t>
+              <a:t>25/3/2019</a:t>
             </a:fld>
             <a:endParaRPr lang="es-419"/>
           </a:p>
@@ -879,7 +879,7 @@
           <a:p>
             <a:fld id="{3C53CB92-B326-42DA-B5D6-164C2D188148}" type="datetimeFigureOut">
               <a:rPr lang="es-419" smtClean="0"/>
-              <a:t>23/3/2019</a:t>
+              <a:t>25/3/2019</a:t>
             </a:fld>
             <a:endParaRPr lang="es-419"/>
           </a:p>
@@ -1155,7 +1155,7 @@
           <a:p>
             <a:fld id="{3C53CB92-B326-42DA-B5D6-164C2D188148}" type="datetimeFigureOut">
               <a:rPr lang="es-419" smtClean="0"/>
-              <a:t>23/3/2019</a:t>
+              <a:t>25/3/2019</a:t>
             </a:fld>
             <a:endParaRPr lang="es-419"/>
           </a:p>
@@ -1423,7 +1423,7 @@
           <a:p>
             <a:fld id="{3C53CB92-B326-42DA-B5D6-164C2D188148}" type="datetimeFigureOut">
               <a:rPr lang="es-419" smtClean="0"/>
-              <a:t>23/3/2019</a:t>
+              <a:t>25/3/2019</a:t>
             </a:fld>
             <a:endParaRPr lang="es-419"/>
           </a:p>
@@ -1838,7 +1838,7 @@
           <a:p>
             <a:fld id="{3C53CB92-B326-42DA-B5D6-164C2D188148}" type="datetimeFigureOut">
               <a:rPr lang="es-419" smtClean="0"/>
-              <a:t>23/3/2019</a:t>
+              <a:t>25/3/2019</a:t>
             </a:fld>
             <a:endParaRPr lang="es-419"/>
           </a:p>
@@ -1980,7 +1980,7 @@
           <a:p>
             <a:fld id="{3C53CB92-B326-42DA-B5D6-164C2D188148}" type="datetimeFigureOut">
               <a:rPr lang="es-419" smtClean="0"/>
-              <a:t>23/3/2019</a:t>
+              <a:t>25/3/2019</a:t>
             </a:fld>
             <a:endParaRPr lang="es-419"/>
           </a:p>
@@ -2093,7 +2093,7 @@
           <a:p>
             <a:fld id="{3C53CB92-B326-42DA-B5D6-164C2D188148}" type="datetimeFigureOut">
               <a:rPr lang="es-419" smtClean="0"/>
-              <a:t>23/3/2019</a:t>
+              <a:t>25/3/2019</a:t>
             </a:fld>
             <a:endParaRPr lang="es-419"/>
           </a:p>
@@ -2406,7 +2406,7 @@
           <a:p>
             <a:fld id="{3C53CB92-B326-42DA-B5D6-164C2D188148}" type="datetimeFigureOut">
               <a:rPr lang="es-419" smtClean="0"/>
-              <a:t>23/3/2019</a:t>
+              <a:t>25/3/2019</a:t>
             </a:fld>
             <a:endParaRPr lang="es-419"/>
           </a:p>
@@ -2695,7 +2695,7 @@
           <a:p>
             <a:fld id="{3C53CB92-B326-42DA-B5D6-164C2D188148}" type="datetimeFigureOut">
               <a:rPr lang="es-419" smtClean="0"/>
-              <a:t>23/3/2019</a:t>
+              <a:t>25/3/2019</a:t>
             </a:fld>
             <a:endParaRPr lang="es-419"/>
           </a:p>
@@ -2938,7 +2938,7 @@
           <a:p>
             <a:fld id="{3C53CB92-B326-42DA-B5D6-164C2D188148}" type="datetimeFigureOut">
               <a:rPr lang="es-419" smtClean="0"/>
-              <a:t>23/3/2019</a:t>
+              <a:t>25/3/2019</a:t>
             </a:fld>
             <a:endParaRPr lang="es-419"/>
           </a:p>
@@ -9868,6 +9868,110 @@
           </a:p>
         </p:txBody>
       </p:sp>
+      <p:sp>
+        <p:nvSpPr>
+          <p:cNvPr id="2" name="Triángulo isósceles 1">
+            <a:extLst>
+              <a:ext uri="{FF2B5EF4-FFF2-40B4-BE49-F238E27FC236}">
+                <a16:creationId xmlns:a16="http://schemas.microsoft.com/office/drawing/2014/main" id="{9FA6C071-0B51-4E03-B7FC-D4FB64C8D35A}"/>
+              </a:ext>
+            </a:extLst>
+          </p:cNvPr>
+          <p:cNvSpPr/>
+          <p:nvPr/>
+        </p:nvSpPr>
+        <p:spPr>
+          <a:xfrm rot="16200000">
+            <a:off x="3971336" y="3226500"/>
+            <a:ext cx="578704" cy="229334"/>
+          </a:xfrm>
+          <a:prstGeom prst="triangle">
+            <a:avLst/>
+          </a:prstGeom>
+          <a:solidFill>
+            <a:schemeClr val="tx1"/>
+          </a:solidFill>
+          <a:ln>
+            <a:noFill/>
+          </a:ln>
+        </p:spPr>
+        <p:style>
+          <a:lnRef idx="2">
+            <a:schemeClr val="accent1">
+              <a:shade val="50000"/>
+            </a:schemeClr>
+          </a:lnRef>
+          <a:fillRef idx="1">
+            <a:schemeClr val="accent1"/>
+          </a:fillRef>
+          <a:effectRef idx="0">
+            <a:schemeClr val="accent1"/>
+          </a:effectRef>
+          <a:fontRef idx="minor">
+            <a:schemeClr val="lt1"/>
+          </a:fontRef>
+        </p:style>
+        <p:txBody>
+          <a:bodyPr rtlCol="0" anchor="ctr"/>
+          <a:lstStyle/>
+          <a:p>
+            <a:pPr algn="ctr"/>
+            <a:endParaRPr lang="es-419"/>
+          </a:p>
+        </p:txBody>
+      </p:sp>
+      <p:sp>
+        <p:nvSpPr>
+          <p:cNvPr id="59" name="Triángulo isósceles 58">
+            <a:extLst>
+              <a:ext uri="{FF2B5EF4-FFF2-40B4-BE49-F238E27FC236}">
+                <a16:creationId xmlns:a16="http://schemas.microsoft.com/office/drawing/2014/main" id="{4A40EBE8-3BF0-41B0-9F85-A477B548326C}"/>
+              </a:ext>
+            </a:extLst>
+          </p:cNvPr>
+          <p:cNvSpPr/>
+          <p:nvPr/>
+        </p:nvSpPr>
+        <p:spPr>
+          <a:xfrm rot="5400000">
+            <a:off x="4591610" y="3221341"/>
+            <a:ext cx="578704" cy="229334"/>
+          </a:xfrm>
+          <a:prstGeom prst="triangle">
+            <a:avLst/>
+          </a:prstGeom>
+          <a:solidFill>
+            <a:schemeClr val="tx1"/>
+          </a:solidFill>
+          <a:ln>
+            <a:noFill/>
+          </a:ln>
+        </p:spPr>
+        <p:style>
+          <a:lnRef idx="2">
+            <a:schemeClr val="accent1">
+              <a:shade val="50000"/>
+            </a:schemeClr>
+          </a:lnRef>
+          <a:fillRef idx="1">
+            <a:schemeClr val="accent1"/>
+          </a:fillRef>
+          <a:effectRef idx="0">
+            <a:schemeClr val="accent1"/>
+          </a:effectRef>
+          <a:fontRef idx="minor">
+            <a:schemeClr val="lt1"/>
+          </a:fontRef>
+        </p:style>
+        <p:txBody>
+          <a:bodyPr rtlCol="0" anchor="ctr"/>
+          <a:lstStyle/>
+          <a:p>
+            <a:pPr algn="ctr"/>
+            <a:endParaRPr lang="es-419"/>
+          </a:p>
+        </p:txBody>
+      </p:sp>
     </p:spTree>
     <p:extLst>
       <p:ext uri="{BB962C8B-B14F-4D97-AF65-F5344CB8AC3E}">

--- a/others/Elementos - Proyecto 2 S.O.pptx
+++ b/others/Elementos - Proyecto 2 S.O.pptx
@@ -269,7 +269,7 @@
           <a:p>
             <a:fld id="{3C53CB92-B326-42DA-B5D6-164C2D188148}" type="datetimeFigureOut">
               <a:rPr lang="es-419" smtClean="0"/>
-              <a:t>25/3/2019</a:t>
+              <a:t>29/3/2019</a:t>
             </a:fld>
             <a:endParaRPr lang="es-419"/>
           </a:p>
@@ -469,7 +469,7 @@
           <a:p>
             <a:fld id="{3C53CB92-B326-42DA-B5D6-164C2D188148}" type="datetimeFigureOut">
               <a:rPr lang="es-419" smtClean="0"/>
-              <a:t>25/3/2019</a:t>
+              <a:t>29/3/2019</a:t>
             </a:fld>
             <a:endParaRPr lang="es-419"/>
           </a:p>
@@ -679,7 +679,7 @@
           <a:p>
             <a:fld id="{3C53CB92-B326-42DA-B5D6-164C2D188148}" type="datetimeFigureOut">
               <a:rPr lang="es-419" smtClean="0"/>
-              <a:t>25/3/2019</a:t>
+              <a:t>29/3/2019</a:t>
             </a:fld>
             <a:endParaRPr lang="es-419"/>
           </a:p>
@@ -879,7 +879,7 @@
           <a:p>
             <a:fld id="{3C53CB92-B326-42DA-B5D6-164C2D188148}" type="datetimeFigureOut">
               <a:rPr lang="es-419" smtClean="0"/>
-              <a:t>25/3/2019</a:t>
+              <a:t>29/3/2019</a:t>
             </a:fld>
             <a:endParaRPr lang="es-419"/>
           </a:p>
@@ -1155,7 +1155,7 @@
           <a:p>
             <a:fld id="{3C53CB92-B326-42DA-B5D6-164C2D188148}" type="datetimeFigureOut">
               <a:rPr lang="es-419" smtClean="0"/>
-              <a:t>25/3/2019</a:t>
+              <a:t>29/3/2019</a:t>
             </a:fld>
             <a:endParaRPr lang="es-419"/>
           </a:p>
@@ -1423,7 +1423,7 @@
           <a:p>
             <a:fld id="{3C53CB92-B326-42DA-B5D6-164C2D188148}" type="datetimeFigureOut">
               <a:rPr lang="es-419" smtClean="0"/>
-              <a:t>25/3/2019</a:t>
+              <a:t>29/3/2019</a:t>
             </a:fld>
             <a:endParaRPr lang="es-419"/>
           </a:p>
@@ -1838,7 +1838,7 @@
           <a:p>
             <a:fld id="{3C53CB92-B326-42DA-B5D6-164C2D188148}" type="datetimeFigureOut">
               <a:rPr lang="es-419" smtClean="0"/>
-              <a:t>25/3/2019</a:t>
+              <a:t>29/3/2019</a:t>
             </a:fld>
             <a:endParaRPr lang="es-419"/>
           </a:p>
@@ -1980,7 +1980,7 @@
           <a:p>
             <a:fld id="{3C53CB92-B326-42DA-B5D6-164C2D188148}" type="datetimeFigureOut">
               <a:rPr lang="es-419" smtClean="0"/>
-              <a:t>25/3/2019</a:t>
+              <a:t>29/3/2019</a:t>
             </a:fld>
             <a:endParaRPr lang="es-419"/>
           </a:p>
@@ -2093,7 +2093,7 @@
           <a:p>
             <a:fld id="{3C53CB92-B326-42DA-B5D6-164C2D188148}" type="datetimeFigureOut">
               <a:rPr lang="es-419" smtClean="0"/>
-              <a:t>25/3/2019</a:t>
+              <a:t>29/3/2019</a:t>
             </a:fld>
             <a:endParaRPr lang="es-419"/>
           </a:p>
@@ -2406,7 +2406,7 @@
           <a:p>
             <a:fld id="{3C53CB92-B326-42DA-B5D6-164C2D188148}" type="datetimeFigureOut">
               <a:rPr lang="es-419" smtClean="0"/>
-              <a:t>25/3/2019</a:t>
+              <a:t>29/3/2019</a:t>
             </a:fld>
             <a:endParaRPr lang="es-419"/>
           </a:p>
@@ -2695,7 +2695,7 @@
           <a:p>
             <a:fld id="{3C53CB92-B326-42DA-B5D6-164C2D188148}" type="datetimeFigureOut">
               <a:rPr lang="es-419" smtClean="0"/>
-              <a:t>25/3/2019</a:t>
+              <a:t>29/3/2019</a:t>
             </a:fld>
             <a:endParaRPr lang="es-419"/>
           </a:p>
@@ -2938,7 +2938,7 @@
           <a:p>
             <a:fld id="{3C53CB92-B326-42DA-B5D6-164C2D188148}" type="datetimeFigureOut">
               <a:rPr lang="es-419" smtClean="0"/>
-              <a:t>25/3/2019</a:t>
+              <a:t>29/3/2019</a:t>
             </a:fld>
             <a:endParaRPr lang="es-419"/>
           </a:p>
@@ -9972,6 +9972,113 @@
           </a:p>
         </p:txBody>
       </p:sp>
+      <p:grpSp>
+        <p:nvGrpSpPr>
+          <p:cNvPr id="60" name="Grupo 59">
+            <a:extLst>
+              <a:ext uri="{FF2B5EF4-FFF2-40B4-BE49-F238E27FC236}">
+                <a16:creationId xmlns:a16="http://schemas.microsoft.com/office/drawing/2014/main" id="{9549B532-7BC6-4977-B985-D8742E83BBF0}"/>
+              </a:ext>
+            </a:extLst>
+          </p:cNvPr>
+          <p:cNvGrpSpPr/>
+          <p:nvPr/>
+        </p:nvGrpSpPr>
+        <p:grpSpPr>
+          <a:xfrm>
+            <a:off x="2148210" y="1600840"/>
+            <a:ext cx="573468" cy="453144"/>
+            <a:chOff x="1490819" y="1532968"/>
+            <a:chExt cx="573468" cy="453144"/>
+          </a:xfrm>
+        </p:grpSpPr>
+        <p:cxnSp>
+          <p:nvCxnSpPr>
+            <p:cNvPr id="61" name="Conector recto 60">
+              <a:extLst>
+                <a:ext uri="{FF2B5EF4-FFF2-40B4-BE49-F238E27FC236}">
+                  <a16:creationId xmlns:a16="http://schemas.microsoft.com/office/drawing/2014/main" id="{A649C139-E509-453A-9B86-94D1705EED37}"/>
+                </a:ext>
+              </a:extLst>
+            </p:cNvPr>
+            <p:cNvCxnSpPr>
+              <a:cxnSpLocks/>
+            </p:cNvCxnSpPr>
+            <p:nvPr/>
+          </p:nvCxnSpPr>
+          <p:spPr>
+            <a:xfrm>
+              <a:off x="1490819" y="1782856"/>
+              <a:ext cx="201930" cy="203256"/>
+            </a:xfrm>
+            <a:prstGeom prst="line">
+              <a:avLst/>
+            </a:prstGeom>
+            <a:ln w="47625">
+              <a:solidFill>
+                <a:srgbClr val="5E645D"/>
+              </a:solidFill>
+            </a:ln>
+          </p:spPr>
+          <p:style>
+            <a:lnRef idx="1">
+              <a:schemeClr val="accent1"/>
+            </a:lnRef>
+            <a:fillRef idx="0">
+              <a:schemeClr val="accent1"/>
+            </a:fillRef>
+            <a:effectRef idx="0">
+              <a:schemeClr val="accent1"/>
+            </a:effectRef>
+            <a:fontRef idx="minor">
+              <a:schemeClr val="tx1"/>
+            </a:fontRef>
+          </p:style>
+        </p:cxnSp>
+        <p:cxnSp>
+          <p:nvCxnSpPr>
+            <p:cNvPr id="62" name="Conector recto 61">
+              <a:extLst>
+                <a:ext uri="{FF2B5EF4-FFF2-40B4-BE49-F238E27FC236}">
+                  <a16:creationId xmlns:a16="http://schemas.microsoft.com/office/drawing/2014/main" id="{54253A7B-3FBE-452B-A0E7-36170074C042}"/>
+                </a:ext>
+              </a:extLst>
+            </p:cNvPr>
+            <p:cNvCxnSpPr>
+              <a:cxnSpLocks/>
+            </p:cNvCxnSpPr>
+            <p:nvPr/>
+          </p:nvCxnSpPr>
+          <p:spPr>
+            <a:xfrm flipV="1">
+              <a:off x="1662201" y="1532968"/>
+              <a:ext cx="402086" cy="453144"/>
+            </a:xfrm>
+            <a:prstGeom prst="line">
+              <a:avLst/>
+            </a:prstGeom>
+            <a:ln w="47625">
+              <a:solidFill>
+                <a:srgbClr val="5E645D"/>
+              </a:solidFill>
+            </a:ln>
+          </p:spPr>
+          <p:style>
+            <a:lnRef idx="1">
+              <a:schemeClr val="accent1"/>
+            </a:lnRef>
+            <a:fillRef idx="0">
+              <a:schemeClr val="accent1"/>
+            </a:fillRef>
+            <a:effectRef idx="0">
+              <a:schemeClr val="accent1"/>
+            </a:effectRef>
+            <a:fontRef idx="minor">
+              <a:schemeClr val="tx1"/>
+            </a:fontRef>
+          </p:style>
+        </p:cxnSp>
+      </p:grpSp>
     </p:spTree>
     <p:extLst>
       <p:ext uri="{BB962C8B-B14F-4D97-AF65-F5344CB8AC3E}">
